--- a/D26/az-Jenkins-Docker-Terraform-Ansible Lab Scenario.pptx
+++ b/D26/az-Jenkins-Docker-Terraform-Ansible Lab Scenario.pptx
@@ -268,7 +268,7 @@
           <a:p>
             <a:fld id="{C7455CBE-6CC2-4BB4-9563-DF6788ECD854}" type="datetimeFigureOut">
               <a:rPr lang="en-GB" smtClean="0"/>
-              <a:t>19/11/2024</a:t>
+              <a:t>21/11/2024</a:t>
             </a:fld>
             <a:endParaRPr lang="en-GB"/>
           </a:p>
@@ -468,7 +468,7 @@
           <a:p>
             <a:fld id="{C7455CBE-6CC2-4BB4-9563-DF6788ECD854}" type="datetimeFigureOut">
               <a:rPr lang="en-GB" smtClean="0"/>
-              <a:t>19/11/2024</a:t>
+              <a:t>21/11/2024</a:t>
             </a:fld>
             <a:endParaRPr lang="en-GB"/>
           </a:p>
@@ -678,7 +678,7 @@
           <a:p>
             <a:fld id="{C7455CBE-6CC2-4BB4-9563-DF6788ECD854}" type="datetimeFigureOut">
               <a:rPr lang="en-GB" smtClean="0"/>
-              <a:t>19/11/2024</a:t>
+              <a:t>21/11/2024</a:t>
             </a:fld>
             <a:endParaRPr lang="en-GB"/>
           </a:p>
@@ -878,7 +878,7 @@
           <a:p>
             <a:fld id="{C7455CBE-6CC2-4BB4-9563-DF6788ECD854}" type="datetimeFigureOut">
               <a:rPr lang="en-GB" smtClean="0"/>
-              <a:t>19/11/2024</a:t>
+              <a:t>21/11/2024</a:t>
             </a:fld>
             <a:endParaRPr lang="en-GB"/>
           </a:p>
@@ -1154,7 +1154,7 @@
           <a:p>
             <a:fld id="{C7455CBE-6CC2-4BB4-9563-DF6788ECD854}" type="datetimeFigureOut">
               <a:rPr lang="en-GB" smtClean="0"/>
-              <a:t>19/11/2024</a:t>
+              <a:t>21/11/2024</a:t>
             </a:fld>
             <a:endParaRPr lang="en-GB"/>
           </a:p>
@@ -1422,7 +1422,7 @@
           <a:p>
             <a:fld id="{C7455CBE-6CC2-4BB4-9563-DF6788ECD854}" type="datetimeFigureOut">
               <a:rPr lang="en-GB" smtClean="0"/>
-              <a:t>19/11/2024</a:t>
+              <a:t>21/11/2024</a:t>
             </a:fld>
             <a:endParaRPr lang="en-GB"/>
           </a:p>
@@ -1837,7 +1837,7 @@
           <a:p>
             <a:fld id="{C7455CBE-6CC2-4BB4-9563-DF6788ECD854}" type="datetimeFigureOut">
               <a:rPr lang="en-GB" smtClean="0"/>
-              <a:t>19/11/2024</a:t>
+              <a:t>21/11/2024</a:t>
             </a:fld>
             <a:endParaRPr lang="en-GB"/>
           </a:p>
@@ -1979,7 +1979,7 @@
           <a:p>
             <a:fld id="{C7455CBE-6CC2-4BB4-9563-DF6788ECD854}" type="datetimeFigureOut">
               <a:rPr lang="en-GB" smtClean="0"/>
-              <a:t>19/11/2024</a:t>
+              <a:t>21/11/2024</a:t>
             </a:fld>
             <a:endParaRPr lang="en-GB"/>
           </a:p>
@@ -2092,7 +2092,7 @@
           <a:p>
             <a:fld id="{C7455CBE-6CC2-4BB4-9563-DF6788ECD854}" type="datetimeFigureOut">
               <a:rPr lang="en-GB" smtClean="0"/>
-              <a:t>19/11/2024</a:t>
+              <a:t>21/11/2024</a:t>
             </a:fld>
             <a:endParaRPr lang="en-GB"/>
           </a:p>
@@ -2405,7 +2405,7 @@
           <a:p>
             <a:fld id="{C7455CBE-6CC2-4BB4-9563-DF6788ECD854}" type="datetimeFigureOut">
               <a:rPr lang="en-GB" smtClean="0"/>
-              <a:t>19/11/2024</a:t>
+              <a:t>21/11/2024</a:t>
             </a:fld>
             <a:endParaRPr lang="en-GB"/>
           </a:p>
@@ -2694,7 +2694,7 @@
           <a:p>
             <a:fld id="{C7455CBE-6CC2-4BB4-9563-DF6788ECD854}" type="datetimeFigureOut">
               <a:rPr lang="en-GB" smtClean="0"/>
-              <a:t>19/11/2024</a:t>
+              <a:t>21/11/2024</a:t>
             </a:fld>
             <a:endParaRPr lang="en-GB"/>
           </a:p>
@@ -2937,7 +2937,7 @@
           <a:p>
             <a:fld id="{C7455CBE-6CC2-4BB4-9563-DF6788ECD854}" type="datetimeFigureOut">
               <a:rPr lang="en-GB" smtClean="0"/>
-              <a:t>19/11/2024</a:t>
+              <a:t>21/11/2024</a:t>
             </a:fld>
             <a:endParaRPr lang="en-GB"/>
           </a:p>
@@ -5638,7 +5638,7 @@
           <a:p>
             <a:r>
               <a:rPr lang="en-GB" b="1" dirty="0"/>
-              <a:t>Stage3</a:t>
+              <a:t>Stage4</a:t>
             </a:r>
             <a:endParaRPr lang="en-GB" dirty="0"/>
           </a:p>
@@ -5673,7 +5673,7 @@
           <a:p>
             <a:r>
               <a:rPr lang="en-GB" b="1" dirty="0"/>
-              <a:t>Stage4</a:t>
+              <a:t>Stage5</a:t>
             </a:r>
             <a:endParaRPr lang="en-GB" dirty="0"/>
           </a:p>
@@ -5708,7 +5708,7 @@
           <a:p>
             <a:r>
               <a:rPr lang="en-GB" b="1" dirty="0"/>
-              <a:t>Stage5</a:t>
+              <a:t>Stage6</a:t>
             </a:r>
             <a:endParaRPr lang="en-GB" dirty="0"/>
           </a:p>
@@ -5743,7 +5743,7 @@
           <a:p>
             <a:r>
               <a:rPr lang="en-GB" b="1" dirty="0"/>
-              <a:t>Stage6</a:t>
+              <a:t>Stage7</a:t>
             </a:r>
             <a:endParaRPr lang="en-GB" dirty="0"/>
           </a:p>
@@ -5778,7 +5778,7 @@
           <a:p>
             <a:r>
               <a:rPr lang="en-GB" b="1" dirty="0"/>
-              <a:t>Stage7</a:t>
+              <a:t>Stage8</a:t>
             </a:r>
             <a:endParaRPr lang="en-GB" dirty="0"/>
           </a:p>
@@ -5992,7 +5992,7 @@
           <a:p>
             <a:r>
               <a:rPr lang="en-GB" b="1" dirty="0"/>
-              <a:t>Stage2</a:t>
+              <a:t>Stage3</a:t>
             </a:r>
             <a:endParaRPr lang="en-GB" dirty="0"/>
           </a:p>
@@ -6193,7 +6193,7 @@
           <a:p>
             <a:r>
               <a:rPr lang="en-GB" b="1" dirty="0"/>
-              <a:t>Stage8</a:t>
+              <a:t>Stage9</a:t>
             </a:r>
             <a:endParaRPr lang="en-GB" dirty="0"/>
           </a:p>
@@ -6448,7 +6448,7 @@
         <p:spPr>
           <a:xfrm>
             <a:off x="2905207" y="1236920"/>
-            <a:ext cx="824328" cy="369332"/>
+            <a:ext cx="941348" cy="369332"/>
           </a:xfrm>
           <a:prstGeom prst="rect">
             <a:avLst/>
@@ -6462,7 +6462,7 @@
           <a:p>
             <a:r>
               <a:rPr lang="en-GB" b="1" dirty="0"/>
-              <a:t>Stage9</a:t>
+              <a:t>Stage10</a:t>
             </a:r>
             <a:endParaRPr lang="en-GB" dirty="0"/>
           </a:p>
@@ -6496,8 +6496,8 @@
           <a:lstStyle/>
           <a:p>
             <a:r>
-              <a:rPr lang="en-GB" b="1" dirty="0"/>
-              <a:t>Stage10</a:t>
+              <a:rPr lang="en-GB" b="1"/>
+              <a:t>Stage11</a:t>
             </a:r>
             <a:endParaRPr lang="en-GB" dirty="0"/>
           </a:p>
